--- a/extras/atomic-mass-balance-activity.pptx
+++ b/extras/atomic-mass-balance-activity.pptx
@@ -3803,7 +3803,7 @@
             </a:pPr>
             <a:r>
               <a:rPr lang="en-US" sz="2400" dirty="0"/>
-              <a:t>Implement and solve in MATLAB</a:t>
+              <a:t>Implement and solve in Python</a:t>
             </a:r>
           </a:p>
         </p:txBody>
